--- a/Team_convention.pptx
+++ b/Team_convention.pptx
@@ -7,6 +7,7 @@
   <p:sldIdLst>
     <p:sldId id="256" r:id="rId2"/>
     <p:sldId id="257" r:id="rId3"/>
+    <p:sldId id="258" r:id="rId4"/>
   </p:sldIdLst>
   <p:sldSz cx="6858000" cy="9906000" type="A4"/>
   <p:notesSz cx="6858000" cy="9144000"/>
@@ -128,6 +129,16 @@
             <a:srgbClr val="A4A3A4"/>
           </p15:clr>
         </p15:guide>
+        <p15:guide id="5" orient="horz" pos="421" userDrawn="1">
+          <p15:clr>
+            <a:srgbClr val="A4A3A4"/>
+          </p15:clr>
+        </p15:guide>
+        <p15:guide id="6" orient="horz" pos="943" userDrawn="1">
+          <p15:clr>
+            <a:srgbClr val="A4A3A4"/>
+          </p15:clr>
+        </p15:guide>
       </p15:sldGuideLst>
     </p:ext>
   </p:extLst>
@@ -265,7 +276,7 @@
           <a:p>
             <a:fld id="{D12585D0-1EE5-443F-B740-E613B0389960}" type="datetimeFigureOut">
               <a:rPr lang="ko-KR" altLang="en-US" smtClean="0"/>
-              <a:t>2022-01-22</a:t>
+              <a:t>2022-01-23</a:t>
             </a:fld>
             <a:endParaRPr lang="ko-KR" altLang="en-US"/>
           </a:p>
@@ -435,7 +446,7 @@
           <a:p>
             <a:fld id="{D12585D0-1EE5-443F-B740-E613B0389960}" type="datetimeFigureOut">
               <a:rPr lang="ko-KR" altLang="en-US" smtClean="0"/>
-              <a:t>2022-01-22</a:t>
+              <a:t>2022-01-23</a:t>
             </a:fld>
             <a:endParaRPr lang="ko-KR" altLang="en-US"/>
           </a:p>
@@ -615,7 +626,7 @@
           <a:p>
             <a:fld id="{D12585D0-1EE5-443F-B740-E613B0389960}" type="datetimeFigureOut">
               <a:rPr lang="ko-KR" altLang="en-US" smtClean="0"/>
-              <a:t>2022-01-22</a:t>
+              <a:t>2022-01-23</a:t>
             </a:fld>
             <a:endParaRPr lang="ko-KR" altLang="en-US"/>
           </a:p>
@@ -785,7 +796,7 @@
           <a:p>
             <a:fld id="{D12585D0-1EE5-443F-B740-E613B0389960}" type="datetimeFigureOut">
               <a:rPr lang="ko-KR" altLang="en-US" smtClean="0"/>
-              <a:t>2022-01-22</a:t>
+              <a:t>2022-01-23</a:t>
             </a:fld>
             <a:endParaRPr lang="ko-KR" altLang="en-US"/>
           </a:p>
@@ -1029,7 +1040,7 @@
           <a:p>
             <a:fld id="{D12585D0-1EE5-443F-B740-E613B0389960}" type="datetimeFigureOut">
               <a:rPr lang="ko-KR" altLang="en-US" smtClean="0"/>
-              <a:t>2022-01-22</a:t>
+              <a:t>2022-01-23</a:t>
             </a:fld>
             <a:endParaRPr lang="ko-KR" altLang="en-US"/>
           </a:p>
@@ -1261,7 +1272,7 @@
           <a:p>
             <a:fld id="{D12585D0-1EE5-443F-B740-E613B0389960}" type="datetimeFigureOut">
               <a:rPr lang="ko-KR" altLang="en-US" smtClean="0"/>
-              <a:t>2022-01-22</a:t>
+              <a:t>2022-01-23</a:t>
             </a:fld>
             <a:endParaRPr lang="ko-KR" altLang="en-US"/>
           </a:p>
@@ -1628,7 +1639,7 @@
           <a:p>
             <a:fld id="{D12585D0-1EE5-443F-B740-E613B0389960}" type="datetimeFigureOut">
               <a:rPr lang="ko-KR" altLang="en-US" smtClean="0"/>
-              <a:t>2022-01-22</a:t>
+              <a:t>2022-01-23</a:t>
             </a:fld>
             <a:endParaRPr lang="ko-KR" altLang="en-US"/>
           </a:p>
@@ -1746,7 +1757,7 @@
           <a:p>
             <a:fld id="{D12585D0-1EE5-443F-B740-E613B0389960}" type="datetimeFigureOut">
               <a:rPr lang="ko-KR" altLang="en-US" smtClean="0"/>
-              <a:t>2022-01-22</a:t>
+              <a:t>2022-01-23</a:t>
             </a:fld>
             <a:endParaRPr lang="ko-KR" altLang="en-US"/>
           </a:p>
@@ -1841,7 +1852,7 @@
           <a:p>
             <a:fld id="{D12585D0-1EE5-443F-B740-E613B0389960}" type="datetimeFigureOut">
               <a:rPr lang="ko-KR" altLang="en-US" smtClean="0"/>
-              <a:t>2022-01-22</a:t>
+              <a:t>2022-01-23</a:t>
             </a:fld>
             <a:endParaRPr lang="ko-KR" altLang="en-US"/>
           </a:p>
@@ -2118,7 +2129,7 @@
           <a:p>
             <a:fld id="{D12585D0-1EE5-443F-B740-E613B0389960}" type="datetimeFigureOut">
               <a:rPr lang="ko-KR" altLang="en-US" smtClean="0"/>
-              <a:t>2022-01-22</a:t>
+              <a:t>2022-01-23</a:t>
             </a:fld>
             <a:endParaRPr lang="ko-KR" altLang="en-US"/>
           </a:p>
@@ -2375,7 +2386,7 @@
           <a:p>
             <a:fld id="{D12585D0-1EE5-443F-B740-E613B0389960}" type="datetimeFigureOut">
               <a:rPr lang="ko-KR" altLang="en-US" smtClean="0"/>
-              <a:t>2022-01-22</a:t>
+              <a:t>2022-01-23</a:t>
             </a:fld>
             <a:endParaRPr lang="ko-KR" altLang="en-US"/>
           </a:p>
@@ -2588,7 +2599,7 @@
           <a:p>
             <a:fld id="{D12585D0-1EE5-443F-B740-E613B0389960}" type="datetimeFigureOut">
               <a:rPr lang="ko-KR" altLang="en-US" smtClean="0"/>
-              <a:t>2022-01-22</a:t>
+              <a:t>2022-01-23</a:t>
             </a:fld>
             <a:endParaRPr lang="ko-KR" altLang="en-US"/>
           </a:p>
@@ -3746,7 +3757,7 @@
         <p:spPr>
           <a:xfrm>
             <a:off x="265665" y="1423913"/>
-            <a:ext cx="6224035" cy="7571303"/>
+            <a:ext cx="6224035" cy="8125301"/>
           </a:xfrm>
           <a:prstGeom prst="rect">
             <a:avLst/>
@@ -3824,9 +3835,24 @@
           </a:p>
           <a:p>
             <a:r>
+              <a:rPr lang="en-US" altLang="ko-KR" b="0" i="0">
+                <a:solidFill>
+                  <a:srgbClr val="000000"/>
+                </a:solidFill>
+                <a:effectLst/>
+                <a:latin typeface="noto"/>
+              </a:rPr>
+              <a:t>I'm looking forward to a project with you.</a:t>
+            </a:r>
+          </a:p>
+          <a:p>
+            <a:r>
               <a:rPr lang="en-US" altLang="ko-KR"/>
               <a:t>See you then ^^</a:t>
             </a:r>
+          </a:p>
+          <a:p>
+            <a:endParaRPr lang="en-US" altLang="ko-KR"/>
           </a:p>
           <a:p>
             <a:endParaRPr lang="en-US" altLang="ko-KR"/>
@@ -3850,6 +3876,285 @@
     <p:extLst>
       <p:ext uri="{BB962C8B-B14F-4D97-AF65-F5344CB8AC3E}">
         <p14:creationId xmlns:p14="http://schemas.microsoft.com/office/powerpoint/2010/main" val="56782400"/>
+      </p:ext>
+    </p:extLst>
+  </p:cSld>
+  <p:clrMapOvr>
+    <a:masterClrMapping/>
+  </p:clrMapOvr>
+</p:sld>
+</file>
+
+<file path=ppt/slides/slide3.xml><?xml version="1.0" encoding="utf-8"?>
+<p:sld xmlns:a="http://schemas.openxmlformats.org/drawingml/2006/main" xmlns:r="http://schemas.openxmlformats.org/officeDocument/2006/relationships" xmlns:p="http://schemas.openxmlformats.org/presentationml/2006/main">
+  <p:cSld>
+    <p:spTree>
+      <p:nvGrpSpPr>
+        <p:cNvPr id="1" name=""/>
+        <p:cNvGrpSpPr/>
+        <p:nvPr/>
+      </p:nvGrpSpPr>
+      <p:grpSpPr>
+        <a:xfrm>
+          <a:off x="0" y="0"/>
+          <a:ext cx="0" cy="0"/>
+          <a:chOff x="0" y="0"/>
+          <a:chExt cx="0" cy="0"/>
+        </a:xfrm>
+      </p:grpSpPr>
+      <p:sp>
+        <p:nvSpPr>
+          <p:cNvPr id="4" name="TextBox 3">
+            <a:extLst>
+              <a:ext uri="{FF2B5EF4-FFF2-40B4-BE49-F238E27FC236}">
+                <a16:creationId xmlns:a16="http://schemas.microsoft.com/office/drawing/2014/main" id="{9A0B27E0-C36B-4F01-B506-EB09A5E323E3}"/>
+              </a:ext>
+            </a:extLst>
+          </p:cNvPr>
+          <p:cNvSpPr txBox="1"/>
+          <p:nvPr/>
+        </p:nvSpPr>
+        <p:spPr>
+          <a:xfrm>
+            <a:off x="265665" y="393792"/>
+            <a:ext cx="1701178" cy="338554"/>
+          </a:xfrm>
+          <a:prstGeom prst="rect">
+            <a:avLst/>
+          </a:prstGeom>
+          <a:noFill/>
+        </p:spPr>
+        <p:txBody>
+          <a:bodyPr wrap="square">
+            <a:spAutoFit/>
+          </a:bodyPr>
+          <a:lstStyle/>
+          <a:p>
+            <a:pPr marL="0" marR="0" lvl="0" indent="0" algn="l" defTabSz="914400" rtl="0" eaLnBrk="0" fontAlgn="t" latinLnBrk="0" hangingPunct="0">
+              <a:lnSpc>
+                <a:spcPct val="100000"/>
+              </a:lnSpc>
+              <a:spcBef>
+                <a:spcPct val="0"/>
+              </a:spcBef>
+              <a:spcAft>
+                <a:spcPct val="0"/>
+              </a:spcAft>
+              <a:buClrTx/>
+              <a:buSzTx/>
+              <a:buFontTx/>
+              <a:buNone/>
+              <a:tabLst/>
+            </a:pPr>
+            <a:r>
+              <a:rPr lang="en-US" altLang="ko-KR" sz="1600" b="1">
+                <a:latin typeface="Arial" panose="020B0604020202020204" pitchFamily="34" charset="0"/>
+                <a:cs typeface="Arial" panose="020B0604020202020204" pitchFamily="34" charset="0"/>
+              </a:rPr>
+              <a:t>Chaptal 1</a:t>
+            </a:r>
+            <a:endParaRPr kumimoji="0" lang="ko-KR" altLang="ko-KR" sz="1600" b="1" i="0" u="none" strike="noStrike" cap="none" normalizeH="0" baseline="0">
+              <a:ln>
+                <a:noFill/>
+              </a:ln>
+              <a:solidFill>
+                <a:schemeClr val="tx1"/>
+              </a:solidFill>
+              <a:effectLst/>
+              <a:latin typeface="Arial" panose="020B0604020202020204" pitchFamily="34" charset="0"/>
+              <a:cs typeface="Arial" panose="020B0604020202020204" pitchFamily="34" charset="0"/>
+            </a:endParaRPr>
+          </a:p>
+        </p:txBody>
+      </p:sp>
+      <p:sp>
+        <p:nvSpPr>
+          <p:cNvPr id="7" name="사각형: 둥근 모서리 6">
+            <a:extLst>
+              <a:ext uri="{FF2B5EF4-FFF2-40B4-BE49-F238E27FC236}">
+                <a16:creationId xmlns:a16="http://schemas.microsoft.com/office/drawing/2014/main" id="{00E0A74B-AEE7-409F-8CAF-BBBBB3AF3998}"/>
+              </a:ext>
+            </a:extLst>
+          </p:cNvPr>
+          <p:cNvSpPr/>
+          <p:nvPr/>
+        </p:nvSpPr>
+        <p:spPr>
+          <a:xfrm>
+            <a:off x="368300" y="930013"/>
+            <a:ext cx="6121400" cy="567000"/>
+          </a:xfrm>
+          <a:prstGeom prst="roundRect">
+            <a:avLst/>
+          </a:prstGeom>
+          <a:solidFill>
+            <a:schemeClr val="accent5">
+              <a:lumMod val="20000"/>
+              <a:lumOff val="80000"/>
+            </a:schemeClr>
+          </a:solidFill>
+          <a:ln>
+            <a:noFill/>
+          </a:ln>
+        </p:spPr>
+        <p:style>
+          <a:lnRef idx="2">
+            <a:schemeClr val="accent1">
+              <a:shade val="50000"/>
+            </a:schemeClr>
+          </a:lnRef>
+          <a:fillRef idx="1">
+            <a:schemeClr val="accent1"/>
+          </a:fillRef>
+          <a:effectRef idx="0">
+            <a:schemeClr val="accent1"/>
+          </a:effectRef>
+          <a:fontRef idx="minor">
+            <a:schemeClr val="lt1"/>
+          </a:fontRef>
+        </p:style>
+        <p:txBody>
+          <a:bodyPr rtlCol="0" anchor="ctr"/>
+          <a:lstStyle/>
+          <a:p>
+            <a:pPr algn="ctr"/>
+            <a:endParaRPr lang="ko-KR" altLang="en-US"/>
+          </a:p>
+        </p:txBody>
+      </p:sp>
+      <p:sp>
+        <p:nvSpPr>
+          <p:cNvPr id="8" name="TextBox 7">
+            <a:extLst>
+              <a:ext uri="{FF2B5EF4-FFF2-40B4-BE49-F238E27FC236}">
+                <a16:creationId xmlns:a16="http://schemas.microsoft.com/office/drawing/2014/main" id="{1F1215BB-417C-469D-8338-462B370EA8A6}"/>
+              </a:ext>
+            </a:extLst>
+          </p:cNvPr>
+          <p:cNvSpPr txBox="1"/>
+          <p:nvPr/>
+        </p:nvSpPr>
+        <p:spPr>
+          <a:xfrm>
+            <a:off x="368300" y="1013458"/>
+            <a:ext cx="4572000" cy="400110"/>
+          </a:xfrm>
+          <a:prstGeom prst="rect">
+            <a:avLst/>
+          </a:prstGeom>
+          <a:noFill/>
+        </p:spPr>
+        <p:txBody>
+          <a:bodyPr wrap="square" rtlCol="0">
+            <a:spAutoFit/>
+          </a:bodyPr>
+          <a:lstStyle/>
+          <a:p>
+            <a:r>
+              <a:rPr lang="en-US" altLang="ko-KR" sz="2000"/>
+              <a:t>“ Talk is cheep. Show me the code ”</a:t>
+            </a:r>
+            <a:endParaRPr lang="ko-KR" altLang="en-US" sz="2000"/>
+          </a:p>
+        </p:txBody>
+      </p:sp>
+      <p:sp>
+        <p:nvSpPr>
+          <p:cNvPr id="10" name="TextBox 9">
+            <a:extLst>
+              <a:ext uri="{FF2B5EF4-FFF2-40B4-BE49-F238E27FC236}">
+                <a16:creationId xmlns:a16="http://schemas.microsoft.com/office/drawing/2014/main" id="{7EAA4F06-F1EB-4464-8666-C1DD04D9FBD9}"/>
+              </a:ext>
+            </a:extLst>
+          </p:cNvPr>
+          <p:cNvSpPr txBox="1"/>
+          <p:nvPr/>
+        </p:nvSpPr>
+        <p:spPr>
+          <a:xfrm>
+            <a:off x="4864100" y="1028847"/>
+            <a:ext cx="1701800" cy="369332"/>
+          </a:xfrm>
+          <a:prstGeom prst="rect">
+            <a:avLst/>
+          </a:prstGeom>
+          <a:noFill/>
+        </p:spPr>
+        <p:txBody>
+          <a:bodyPr wrap="square" rtlCol="0">
+            <a:spAutoFit/>
+          </a:bodyPr>
+          <a:lstStyle/>
+          <a:p>
+            <a:r>
+              <a:rPr lang="en-US" altLang="ko-KR"/>
+              <a:t>- Linus</a:t>
+            </a:r>
+            <a:r>
+              <a:rPr lang="ko-KR" altLang="en-US"/>
+              <a:t> </a:t>
+            </a:r>
+            <a:r>
+              <a:rPr lang="en-US" altLang="ko-KR"/>
+              <a:t>Torvalds</a:t>
+            </a:r>
+            <a:endParaRPr lang="ko-KR" altLang="en-US"/>
+          </a:p>
+        </p:txBody>
+      </p:sp>
+      <p:sp>
+        <p:nvSpPr>
+          <p:cNvPr id="12" name="TextBox 11">
+            <a:extLst>
+              <a:ext uri="{FF2B5EF4-FFF2-40B4-BE49-F238E27FC236}">
+                <a16:creationId xmlns:a16="http://schemas.microsoft.com/office/drawing/2014/main" id="{EC8D819D-AFB1-4E75-A8FE-9542FB0C4FE3}"/>
+              </a:ext>
+            </a:extLst>
+          </p:cNvPr>
+          <p:cNvSpPr txBox="1"/>
+          <p:nvPr/>
+        </p:nvSpPr>
+        <p:spPr>
+          <a:xfrm>
+            <a:off x="266700" y="1835567"/>
+            <a:ext cx="5143500" cy="646331"/>
+          </a:xfrm>
+          <a:prstGeom prst="rect">
+            <a:avLst/>
+          </a:prstGeom>
+          <a:noFill/>
+        </p:spPr>
+        <p:txBody>
+          <a:bodyPr wrap="square">
+            <a:spAutoFit/>
+          </a:bodyPr>
+          <a:lstStyle/>
+          <a:p>
+            <a:r>
+              <a:rPr lang="ko-KR" altLang="en-US"/>
+              <a:t>Let's solve a simple question and start the first page.</a:t>
+            </a:r>
+            <a:endParaRPr lang="en-US" altLang="ko-KR"/>
+          </a:p>
+          <a:p>
+            <a:r>
+              <a:rPr lang="en-US" altLang="ko-KR" b="0" i="0">
+                <a:solidFill>
+                  <a:srgbClr val="000000"/>
+                </a:solidFill>
+                <a:effectLst/>
+                <a:latin typeface="noto"/>
+              </a:rPr>
+              <a:t>In Korea, there is a fairy tale as follows.</a:t>
+            </a:r>
+            <a:endParaRPr lang="ko-KR" altLang="en-US"/>
+          </a:p>
+        </p:txBody>
+      </p:sp>
+    </p:spTree>
+    <p:extLst>
+      <p:ext uri="{BB962C8B-B14F-4D97-AF65-F5344CB8AC3E}">
+        <p14:creationId xmlns:p14="http://schemas.microsoft.com/office/powerpoint/2010/main" val="1353335649"/>
       </p:ext>
     </p:extLst>
   </p:cSld>

--- a/Team_convention.pptx
+++ b/Team_convention.pptx
@@ -276,7 +276,7 @@
           <a:p>
             <a:fld id="{D12585D0-1EE5-443F-B740-E613B0389960}" type="datetimeFigureOut">
               <a:rPr lang="ko-KR" altLang="en-US" smtClean="0"/>
-              <a:t>2022-01-23</a:t>
+              <a:t>2022. 1. 23.</a:t>
             </a:fld>
             <a:endParaRPr lang="ko-KR" altLang="en-US"/>
           </a:p>
@@ -446,7 +446,7 @@
           <a:p>
             <a:fld id="{D12585D0-1EE5-443F-B740-E613B0389960}" type="datetimeFigureOut">
               <a:rPr lang="ko-KR" altLang="en-US" smtClean="0"/>
-              <a:t>2022-01-23</a:t>
+              <a:t>2022. 1. 23.</a:t>
             </a:fld>
             <a:endParaRPr lang="ko-KR" altLang="en-US"/>
           </a:p>
@@ -626,7 +626,7 @@
           <a:p>
             <a:fld id="{D12585D0-1EE5-443F-B740-E613B0389960}" type="datetimeFigureOut">
               <a:rPr lang="ko-KR" altLang="en-US" smtClean="0"/>
-              <a:t>2022-01-23</a:t>
+              <a:t>2022. 1. 23.</a:t>
             </a:fld>
             <a:endParaRPr lang="ko-KR" altLang="en-US"/>
           </a:p>
@@ -796,7 +796,7 @@
           <a:p>
             <a:fld id="{D12585D0-1EE5-443F-B740-E613B0389960}" type="datetimeFigureOut">
               <a:rPr lang="ko-KR" altLang="en-US" smtClean="0"/>
-              <a:t>2022-01-23</a:t>
+              <a:t>2022. 1. 23.</a:t>
             </a:fld>
             <a:endParaRPr lang="ko-KR" altLang="en-US"/>
           </a:p>
@@ -1040,7 +1040,7 @@
           <a:p>
             <a:fld id="{D12585D0-1EE5-443F-B740-E613B0389960}" type="datetimeFigureOut">
               <a:rPr lang="ko-KR" altLang="en-US" smtClean="0"/>
-              <a:t>2022-01-23</a:t>
+              <a:t>2022. 1. 23.</a:t>
             </a:fld>
             <a:endParaRPr lang="ko-KR" altLang="en-US"/>
           </a:p>
@@ -1272,7 +1272,7 @@
           <a:p>
             <a:fld id="{D12585D0-1EE5-443F-B740-E613B0389960}" type="datetimeFigureOut">
               <a:rPr lang="ko-KR" altLang="en-US" smtClean="0"/>
-              <a:t>2022-01-23</a:t>
+              <a:t>2022. 1. 23.</a:t>
             </a:fld>
             <a:endParaRPr lang="ko-KR" altLang="en-US"/>
           </a:p>
@@ -1639,7 +1639,7 @@
           <a:p>
             <a:fld id="{D12585D0-1EE5-443F-B740-E613B0389960}" type="datetimeFigureOut">
               <a:rPr lang="ko-KR" altLang="en-US" smtClean="0"/>
-              <a:t>2022-01-23</a:t>
+              <a:t>2022. 1. 23.</a:t>
             </a:fld>
             <a:endParaRPr lang="ko-KR" altLang="en-US"/>
           </a:p>
@@ -1757,7 +1757,7 @@
           <a:p>
             <a:fld id="{D12585D0-1EE5-443F-B740-E613B0389960}" type="datetimeFigureOut">
               <a:rPr lang="ko-KR" altLang="en-US" smtClean="0"/>
-              <a:t>2022-01-23</a:t>
+              <a:t>2022. 1. 23.</a:t>
             </a:fld>
             <a:endParaRPr lang="ko-KR" altLang="en-US"/>
           </a:p>
@@ -1852,7 +1852,7 @@
           <a:p>
             <a:fld id="{D12585D0-1EE5-443F-B740-E613B0389960}" type="datetimeFigureOut">
               <a:rPr lang="ko-KR" altLang="en-US" smtClean="0"/>
-              <a:t>2022-01-23</a:t>
+              <a:t>2022. 1. 23.</a:t>
             </a:fld>
             <a:endParaRPr lang="ko-KR" altLang="en-US"/>
           </a:p>
@@ -2129,7 +2129,7 @@
           <a:p>
             <a:fld id="{D12585D0-1EE5-443F-B740-E613B0389960}" type="datetimeFigureOut">
               <a:rPr lang="ko-KR" altLang="en-US" smtClean="0"/>
-              <a:t>2022-01-23</a:t>
+              <a:t>2022. 1. 23.</a:t>
             </a:fld>
             <a:endParaRPr lang="ko-KR" altLang="en-US"/>
           </a:p>
@@ -2386,7 +2386,7 @@
           <a:p>
             <a:fld id="{D12585D0-1EE5-443F-B740-E613B0389960}" type="datetimeFigureOut">
               <a:rPr lang="ko-KR" altLang="en-US" smtClean="0"/>
-              <a:t>2022-01-23</a:t>
+              <a:t>2022. 1. 23.</a:t>
             </a:fld>
             <a:endParaRPr lang="ko-KR" altLang="en-US"/>
           </a:p>
@@ -2599,7 +2599,7 @@
           <a:p>
             <a:fld id="{D12585D0-1EE5-443F-B740-E613B0389960}" type="datetimeFigureOut">
               <a:rPr lang="ko-KR" altLang="en-US" smtClean="0"/>
-              <a:t>2022-01-23</a:t>
+              <a:t>2022. 1. 23.</a:t>
             </a:fld>
             <a:endParaRPr lang="ko-KR" altLang="en-US"/>
           </a:p>
@@ -3756,7 +3756,7 @@
         </p:nvSpPr>
         <p:spPr>
           <a:xfrm>
-            <a:off x="265665" y="1423913"/>
+            <a:off x="265665" y="1157213"/>
             <a:ext cx="6224035" cy="8125301"/>
           </a:xfrm>
           <a:prstGeom prst="rect">
@@ -3771,71 +3771,159 @@
           <a:lstStyle/>
           <a:p>
             <a:r>
-              <a:rPr lang="ko-KR" altLang="en-US"/>
-              <a:t>The purpose of this document is to increase the efficiency of the software team.</a:t>
-            </a:r>
-            <a:endParaRPr lang="en-US" altLang="ko-KR"/>
-          </a:p>
-          <a:p>
-            <a:endParaRPr lang="en-US" altLang="ko-KR"/>
-          </a:p>
-          <a:p>
-            <a:r>
-              <a:rPr lang="en-US" altLang="ko-KR"/>
+              <a:rPr lang="ko-KR" altLang="en-US" dirty="0"/>
+              <a:t>The </a:t>
+            </a:r>
+            <a:r>
+              <a:rPr lang="ko-KR" altLang="en-US" dirty="0" err="1"/>
+              <a:t>purpose</a:t>
+            </a:r>
+            <a:r>
+              <a:rPr lang="ko-KR" altLang="en-US" dirty="0"/>
+              <a:t> of </a:t>
+            </a:r>
+            <a:r>
+              <a:rPr lang="ko-KR" altLang="en-US" dirty="0" err="1"/>
+              <a:t>this</a:t>
+            </a:r>
+            <a:r>
+              <a:rPr lang="ko-KR" altLang="en-US" dirty="0"/>
+              <a:t> </a:t>
+            </a:r>
+            <a:r>
+              <a:rPr lang="ko-KR" altLang="en-US" dirty="0" err="1"/>
+              <a:t>document</a:t>
+            </a:r>
+            <a:r>
+              <a:rPr lang="ko-KR" altLang="en-US" dirty="0"/>
+              <a:t> </a:t>
+            </a:r>
+            <a:r>
+              <a:rPr lang="ko-KR" altLang="en-US" dirty="0" err="1"/>
+              <a:t>is</a:t>
+            </a:r>
+            <a:r>
+              <a:rPr lang="ko-KR" altLang="en-US" dirty="0"/>
+              <a:t> </a:t>
+            </a:r>
+            <a:r>
+              <a:rPr lang="ko-KR" altLang="en-US" dirty="0" err="1"/>
+              <a:t>to</a:t>
+            </a:r>
+            <a:r>
+              <a:rPr lang="ko-KR" altLang="en-US" dirty="0"/>
+              <a:t> </a:t>
+            </a:r>
+            <a:r>
+              <a:rPr lang="ko-KR" altLang="en-US" dirty="0" err="1"/>
+              <a:t>increase</a:t>
+            </a:r>
+            <a:r>
+              <a:rPr lang="ko-KR" altLang="en-US" dirty="0"/>
+              <a:t> </a:t>
+            </a:r>
+            <a:r>
+              <a:rPr lang="ko-KR" altLang="en-US" dirty="0" err="1"/>
+              <a:t>the</a:t>
+            </a:r>
+            <a:r>
+              <a:rPr lang="ko-KR" altLang="en-US" dirty="0"/>
+              <a:t> </a:t>
+            </a:r>
+            <a:r>
+              <a:rPr lang="ko-KR" altLang="en-US" dirty="0" err="1"/>
+              <a:t>efficiency</a:t>
+            </a:r>
+            <a:r>
+              <a:rPr lang="ko-KR" altLang="en-US" dirty="0"/>
+              <a:t> of </a:t>
+            </a:r>
+            <a:r>
+              <a:rPr lang="ko-KR" altLang="en-US" dirty="0" err="1"/>
+              <a:t>the</a:t>
+            </a:r>
+            <a:r>
+              <a:rPr lang="ko-KR" altLang="en-US" dirty="0"/>
+              <a:t> </a:t>
+            </a:r>
+            <a:r>
+              <a:rPr lang="ko-KR" altLang="en-US" dirty="0" err="1"/>
+              <a:t>software</a:t>
+            </a:r>
+            <a:r>
+              <a:rPr lang="ko-KR" altLang="en-US" dirty="0"/>
+              <a:t> </a:t>
+            </a:r>
+            <a:r>
+              <a:rPr lang="ko-KR" altLang="en-US" dirty="0" err="1"/>
+              <a:t>team</a:t>
+            </a:r>
+            <a:r>
+              <a:rPr lang="ko-KR" altLang="en-US" dirty="0"/>
+              <a:t>.</a:t>
+            </a:r>
+            <a:endParaRPr lang="en-US" altLang="ko-KR" dirty="0"/>
+          </a:p>
+          <a:p>
+            <a:endParaRPr lang="en-US" altLang="ko-KR" dirty="0"/>
+          </a:p>
+          <a:p>
+            <a:r>
+              <a:rPr lang="en-US" altLang="ko-KR" dirty="0"/>
               <a:t>When a team makes a code together, there must be certain rules to make it easier to read and maintain the code.</a:t>
             </a:r>
           </a:p>
           <a:p>
-            <a:endParaRPr lang="en-US" altLang="ko-KR"/>
-          </a:p>
-          <a:p>
-            <a:r>
-              <a:rPr lang="en-US" altLang="ko-KR"/>
+            <a:endParaRPr lang="en-US" altLang="ko-KR" dirty="0"/>
+          </a:p>
+          <a:p>
+            <a:r>
+              <a:rPr lang="en-US" altLang="ko-KR" dirty="0"/>
               <a:t>To do so, this document will suggest you a coding style.</a:t>
             </a:r>
           </a:p>
           <a:p>
-            <a:endParaRPr lang="en-US" altLang="ko-KR"/>
-          </a:p>
-          <a:p>
-            <a:r>
-              <a:rPr lang="en-US" altLang="ko-KR"/>
+            <a:endParaRPr lang="en-US" altLang="ko-KR" dirty="0"/>
+          </a:p>
+          <a:p>
+            <a:r>
+              <a:rPr lang="en-US" altLang="ko-KR" dirty="0"/>
               <a:t>You will not be able to keep this document 100% in all situations.</a:t>
             </a:r>
           </a:p>
           <a:p>
-            <a:endParaRPr lang="en-US" altLang="ko-KR"/>
-          </a:p>
-          <a:p>
-            <a:r>
-              <a:rPr lang="en-US" altLang="ko-KR"/>
+            <a:endParaRPr lang="en-US" altLang="ko-KR" dirty="0"/>
+          </a:p>
+          <a:p>
+            <a:r>
+              <a:rPr lang="en-US" altLang="ko-KR" dirty="0"/>
               <a:t>If inevitable, you can ignore this document and code it. But if that happens, your code may be logically out of order. Please check it again.</a:t>
             </a:r>
           </a:p>
           <a:p>
-            <a:endParaRPr lang="en-US" altLang="ko-KR"/>
-          </a:p>
-          <a:p>
-            <a:r>
-              <a:rPr lang="en-US" altLang="ko-KR"/>
+            <a:endParaRPr lang="en-US" altLang="ko-KR" dirty="0"/>
+          </a:p>
+          <a:p>
+            <a:r>
+              <a:rPr lang="en-US" altLang="ko-KR" dirty="0"/>
               <a:t>Additionally, we will also cover clean codes and refactoring. We encourage you to make the most of the methods written in this document.</a:t>
             </a:r>
           </a:p>
           <a:p>
-            <a:endParaRPr lang="en-US" altLang="ko-KR"/>
-          </a:p>
-          <a:p>
-            <a:r>
-              <a:rPr lang="en-US" altLang="ko-KR"/>
+            <a:endParaRPr lang="en-US" altLang="ko-KR" dirty="0"/>
+          </a:p>
+          <a:p>
+            <a:r>
+              <a:rPr lang="en-US" altLang="ko-KR" dirty="0"/>
               <a:t>If you have any suggestions, feel free to do so. Our team always welcomes your proposal. Let's discuss it together and make our code clean and logical.</a:t>
             </a:r>
           </a:p>
           <a:p>
-            <a:endParaRPr lang="en-US" altLang="ko-KR"/>
-          </a:p>
-          <a:p>
-            <a:r>
-              <a:rPr lang="en-US" altLang="ko-KR" b="0" i="0">
+            <a:endParaRPr lang="en-US" altLang="ko-KR" dirty="0"/>
+          </a:p>
+          <a:p>
+            <a:r>
+              <a:rPr lang="en-US" altLang="ko-KR" b="0" i="0" dirty="0">
                 <a:solidFill>
                   <a:srgbClr val="000000"/>
                 </a:solidFill>
@@ -3847,28 +3935,28 @@
           </a:p>
           <a:p>
             <a:r>
-              <a:rPr lang="en-US" altLang="ko-KR"/>
+              <a:rPr lang="en-US" altLang="ko-KR" dirty="0"/>
               <a:t>See you then ^^</a:t>
             </a:r>
           </a:p>
           <a:p>
-            <a:endParaRPr lang="en-US" altLang="ko-KR"/>
-          </a:p>
-          <a:p>
-            <a:endParaRPr lang="en-US" altLang="ko-KR"/>
-          </a:p>
-          <a:p>
-            <a:endParaRPr lang="en-US" altLang="ko-KR"/>
-          </a:p>
-          <a:p>
-            <a:endParaRPr lang="en-US" altLang="ko-KR"/>
-          </a:p>
-          <a:p>
-            <a:r>
-              <a:rPr lang="en-US" altLang="ko-KR"/>
+            <a:endParaRPr lang="en-US" altLang="ko-KR" dirty="0"/>
+          </a:p>
+          <a:p>
+            <a:endParaRPr lang="en-US" altLang="ko-KR" dirty="0"/>
+          </a:p>
+          <a:p>
+            <a:endParaRPr lang="en-US" altLang="ko-KR" dirty="0"/>
+          </a:p>
+          <a:p>
+            <a:endParaRPr lang="en-US" altLang="ko-KR" dirty="0"/>
+          </a:p>
+          <a:p>
+            <a:r>
+              <a:rPr lang="en-US" altLang="ko-KR" dirty="0"/>
               <a:t>This start date of this project : 2022-01-22</a:t>
             </a:r>
-            <a:endParaRPr lang="ko-KR" altLang="en-US"/>
+            <a:endParaRPr lang="ko-KR" altLang="en-US" dirty="0"/>
           </a:p>
         </p:txBody>
       </p:sp>
@@ -3967,67 +4055,132 @@
           </a:p>
         </p:txBody>
       </p:sp>
-      <p:sp>
-        <p:nvSpPr>
-          <p:cNvPr id="7" name="사각형: 둥근 모서리 6">
+      <p:grpSp>
+        <p:nvGrpSpPr>
+          <p:cNvPr id="5" name="그룹 4">
             <a:extLst>
               <a:ext uri="{FF2B5EF4-FFF2-40B4-BE49-F238E27FC236}">
-                <a16:creationId xmlns:a16="http://schemas.microsoft.com/office/drawing/2014/main" id="{00E0A74B-AEE7-409F-8CAF-BBBBB3AF3998}"/>
+                <a16:creationId xmlns:a16="http://schemas.microsoft.com/office/drawing/2014/main" id="{8AED004B-8CA0-9D42-B05A-7F0C4BD8EDD8}"/>
               </a:ext>
             </a:extLst>
           </p:cNvPr>
-          <p:cNvSpPr/>
+          <p:cNvGrpSpPr/>
           <p:nvPr/>
-        </p:nvSpPr>
-        <p:spPr>
+        </p:nvGrpSpPr>
+        <p:grpSpPr>
           <a:xfrm>
-            <a:off x="368300" y="930013"/>
-            <a:ext cx="6121400" cy="567000"/>
+            <a:off x="330200" y="2037787"/>
+            <a:ext cx="6197600" cy="2637301"/>
+            <a:chOff x="330200" y="1217069"/>
+            <a:chExt cx="6197600" cy="2637301"/>
           </a:xfrm>
-          <a:prstGeom prst="roundRect">
-            <a:avLst/>
-          </a:prstGeom>
-          <a:solidFill>
-            <a:schemeClr val="accent5">
-              <a:lumMod val="20000"/>
-              <a:lumOff val="80000"/>
-            </a:schemeClr>
-          </a:solidFill>
-          <a:ln>
+        </p:grpSpPr>
+        <p:sp>
+          <p:nvSpPr>
+            <p:cNvPr id="3" name="직사각형 2">
+              <a:extLst>
+                <a:ext uri="{FF2B5EF4-FFF2-40B4-BE49-F238E27FC236}">
+                  <a16:creationId xmlns:a16="http://schemas.microsoft.com/office/drawing/2014/main" id="{2D0C9692-9F1D-DE49-84CC-8FED3940F310}"/>
+                </a:ext>
+              </a:extLst>
+            </p:cNvPr>
+            <p:cNvSpPr/>
+            <p:nvPr/>
+          </p:nvSpPr>
+          <p:spPr>
+            <a:xfrm>
+              <a:off x="330200" y="1217069"/>
+              <a:ext cx="6197600" cy="2637301"/>
+            </a:xfrm>
+            <a:prstGeom prst="rect">
+              <a:avLst/>
+            </a:prstGeom>
             <a:noFill/>
-          </a:ln>
-        </p:spPr>
-        <p:style>
-          <a:lnRef idx="2">
-            <a:schemeClr val="accent1">
-              <a:shade val="50000"/>
-            </a:schemeClr>
-          </a:lnRef>
-          <a:fillRef idx="1">
-            <a:schemeClr val="accent1"/>
-          </a:fillRef>
-          <a:effectRef idx="0">
-            <a:schemeClr val="accent1"/>
-          </a:effectRef>
-          <a:fontRef idx="minor">
-            <a:schemeClr val="lt1"/>
-          </a:fontRef>
-        </p:style>
-        <p:txBody>
-          <a:bodyPr rtlCol="0" anchor="ctr"/>
-          <a:lstStyle/>
-          <a:p>
-            <a:pPr algn="ctr"/>
-            <a:endParaRPr lang="ko-KR" altLang="en-US"/>
-          </a:p>
-        </p:txBody>
-      </p:sp>
-      <p:sp>
-        <p:nvSpPr>
-          <p:cNvPr id="8" name="TextBox 7">
+            <a:ln w="28575">
+              <a:solidFill>
+                <a:schemeClr val="tx1"/>
+              </a:solidFill>
+            </a:ln>
+          </p:spPr>
+          <p:style>
+            <a:lnRef idx="2">
+              <a:schemeClr val="accent1">
+                <a:shade val="50000"/>
+              </a:schemeClr>
+            </a:lnRef>
+            <a:fillRef idx="1">
+              <a:schemeClr val="accent1"/>
+            </a:fillRef>
+            <a:effectRef idx="0">
+              <a:schemeClr val="accent1"/>
+            </a:effectRef>
+            <a:fontRef idx="minor">
+              <a:schemeClr val="lt1"/>
+            </a:fontRef>
+          </p:style>
+          <p:txBody>
+            <a:bodyPr rtlCol="0" anchor="ctr"/>
+            <a:lstStyle/>
+            <a:p>
+              <a:pPr algn="ctr"/>
+              <a:endParaRPr kumimoji="1" lang="ko-Kore-KR" altLang="en-US"/>
+            </a:p>
+          </p:txBody>
+        </p:sp>
+        <p:pic>
+          <p:nvPicPr>
+            <p:cNvPr id="1026" name="Picture 2" descr="The 4Cs Rule: Clean Code, Clever Code | by Mikel | The Startup | Medium">
+              <a:extLst>
+                <a:ext uri="{FF2B5EF4-FFF2-40B4-BE49-F238E27FC236}">
+                  <a16:creationId xmlns:a16="http://schemas.microsoft.com/office/drawing/2014/main" id="{8C67B6CA-6B69-674E-861F-F5D7EACA883D}"/>
+                </a:ext>
+              </a:extLst>
+            </p:cNvPr>
+            <p:cNvPicPr>
+              <a:picLocks noChangeAspect="1" noChangeArrowheads="1"/>
+            </p:cNvPicPr>
+            <p:nvPr/>
+          </p:nvPicPr>
+          <p:blipFill>
+            <a:blip r:embed="rId2">
+              <a:extLst>
+                <a:ext uri="{28A0092B-C50C-407E-A947-70E740481C1C}">
+                  <a14:useLocalDpi xmlns:a14="http://schemas.microsoft.com/office/drawing/2010/main" val="0"/>
+                </a:ext>
+              </a:extLst>
+            </a:blip>
+            <a:srcRect/>
+            <a:stretch>
+              <a:fillRect/>
+            </a:stretch>
+          </p:blipFill>
+          <p:spPr bwMode="auto">
+            <a:xfrm>
+              <a:off x="942170" y="1361958"/>
+              <a:ext cx="4973660" cy="2347522"/>
+            </a:xfrm>
+            <a:prstGeom prst="rect">
+              <a:avLst/>
+            </a:prstGeom>
+            <a:noFill/>
+            <a:extLst>
+              <a:ext uri="{909E8E84-426E-40DD-AFC4-6F175D3DCCD1}">
+                <a14:hiddenFill xmlns:a14="http://schemas.microsoft.com/office/drawing/2010/main">
+                  <a:solidFill>
+                    <a:srgbClr val="FFFFFF"/>
+                  </a:solidFill>
+                </a14:hiddenFill>
+              </a:ext>
+            </a:extLst>
+          </p:spPr>
+        </p:pic>
+      </p:grpSp>
+      <p:sp>
+        <p:nvSpPr>
+          <p:cNvPr id="13" name="TextBox 12">
             <a:extLst>
               <a:ext uri="{FF2B5EF4-FFF2-40B4-BE49-F238E27FC236}">
-                <a16:creationId xmlns:a16="http://schemas.microsoft.com/office/drawing/2014/main" id="{1F1215BB-417C-469D-8338-462B370EA8A6}"/>
+                <a16:creationId xmlns:a16="http://schemas.microsoft.com/office/drawing/2014/main" id="{E3F8695B-A2CC-AC40-AC37-205DDAEBF199}"/>
               </a:ext>
             </a:extLst>
           </p:cNvPr>
@@ -4036,8 +4189,8 @@
         </p:nvSpPr>
         <p:spPr>
           <a:xfrm>
-            <a:off x="368300" y="1013458"/>
-            <a:ext cx="4572000" cy="400110"/>
+            <a:off x="265665" y="877235"/>
+            <a:ext cx="6197600" cy="1015663"/>
           </a:xfrm>
           <a:prstGeom prst="rect">
             <a:avLst/>
@@ -4045,25 +4198,58 @@
           <a:noFill/>
         </p:spPr>
         <p:txBody>
-          <a:bodyPr wrap="square" rtlCol="0">
+          <a:bodyPr wrap="square">
             <a:spAutoFit/>
           </a:bodyPr>
           <a:lstStyle/>
           <a:p>
             <a:r>
-              <a:rPr lang="en-US" altLang="ko-KR" sz="2000"/>
-              <a:t>“ Talk is cheep. Show me the code ”</a:t>
-            </a:r>
-            <a:endParaRPr lang="ko-KR" altLang="en-US" sz="2000"/>
-          </a:p>
-        </p:txBody>
-      </p:sp>
-      <p:sp>
-        <p:nvSpPr>
-          <p:cNvPr id="10" name="TextBox 9">
+              <a:rPr lang="en" altLang="ko-KR" sz="1200" dirty="0"/>
+              <a:t>First I recommend you read the “ Clean Code ”, written by Robert C. Martin.</a:t>
+            </a:r>
+            <a:r>
+              <a:rPr lang="en-US" altLang="ko-KR" sz="1200" dirty="0"/>
+              <a:t> </a:t>
+            </a:r>
+          </a:p>
+          <a:p>
+            <a:endParaRPr lang="en-US" altLang="ko-Kore-KR" sz="1200" dirty="0"/>
+          </a:p>
+          <a:p>
+            <a:r>
+              <a:rPr lang="ko-Kore-KR" altLang="en-US" sz="1200" dirty="0"/>
+              <a:t>Chapter 1 will discuss how to create good code.</a:t>
+            </a:r>
+            <a:r>
+              <a:rPr lang="ko-KR" altLang="en-US" sz="1200" dirty="0"/>
+              <a:t> </a:t>
+            </a:r>
+            <a:r>
+              <a:rPr lang="en" altLang="ko-KR" sz="1200" dirty="0"/>
+              <a:t>This can be a very abstract concept depending on the person. </a:t>
+            </a:r>
+            <a:r>
+              <a:rPr lang="en-US" altLang="ko-Kore-KR" sz="1200" dirty="0"/>
+              <a:t>He</a:t>
+            </a:r>
+            <a:r>
+              <a:rPr lang="en" altLang="ko-Kore-KR" sz="1200" dirty="0"/>
+              <a:t> said to have good and bad codes divided according to the amount of WTFs shouted per minute. </a:t>
+            </a:r>
+            <a:r>
+              <a:rPr lang="en" altLang="ko-KR" sz="1200" dirty="0"/>
+              <a:t>The picture below is a reconstruction of his painting and re-drawing it.</a:t>
+            </a:r>
+            <a:endParaRPr lang="ko-KR" altLang="en-US" sz="1200" dirty="0"/>
+          </a:p>
+        </p:txBody>
+      </p:sp>
+      <p:sp>
+        <p:nvSpPr>
+          <p:cNvPr id="14" name="TextBox 13">
             <a:extLst>
               <a:ext uri="{FF2B5EF4-FFF2-40B4-BE49-F238E27FC236}">
-                <a16:creationId xmlns:a16="http://schemas.microsoft.com/office/drawing/2014/main" id="{7EAA4F06-F1EB-4464-8666-C1DD04D9FBD9}"/>
+                <a16:creationId xmlns:a16="http://schemas.microsoft.com/office/drawing/2014/main" id="{B45079E0-3242-7D48-B015-76483033D092}"/>
               </a:ext>
             </a:extLst>
           </p:cNvPr>
@@ -4072,8 +4258,8 @@
         </p:nvSpPr>
         <p:spPr>
           <a:xfrm>
-            <a:off x="4864100" y="1028847"/>
-            <a:ext cx="1701800" cy="369332"/>
+            <a:off x="265665" y="4819977"/>
+            <a:ext cx="6197600" cy="830997"/>
           </a:xfrm>
           <a:prstGeom prst="rect">
             <a:avLst/>
@@ -4081,73 +4267,35 @@
           <a:noFill/>
         </p:spPr>
         <p:txBody>
-          <a:bodyPr wrap="square" rtlCol="0">
-            <a:spAutoFit/>
-          </a:bodyPr>
-          <a:lstStyle/>
-          <a:p>
-            <a:r>
-              <a:rPr lang="en-US" altLang="ko-KR"/>
-              <a:t>- Linus</a:t>
-            </a:r>
-            <a:r>
-              <a:rPr lang="ko-KR" altLang="en-US"/>
-              <a:t> </a:t>
-            </a:r>
-            <a:r>
-              <a:rPr lang="en-US" altLang="ko-KR"/>
-              <a:t>Torvalds</a:t>
-            </a:r>
-            <a:endParaRPr lang="ko-KR" altLang="en-US"/>
-          </a:p>
-        </p:txBody>
-      </p:sp>
-      <p:sp>
-        <p:nvSpPr>
-          <p:cNvPr id="12" name="TextBox 11">
-            <a:extLst>
-              <a:ext uri="{FF2B5EF4-FFF2-40B4-BE49-F238E27FC236}">
-                <a16:creationId xmlns:a16="http://schemas.microsoft.com/office/drawing/2014/main" id="{EC8D819D-AFB1-4E75-A8FE-9542FB0C4FE3}"/>
-              </a:ext>
-            </a:extLst>
-          </p:cNvPr>
-          <p:cNvSpPr txBox="1"/>
-          <p:nvPr/>
-        </p:nvSpPr>
-        <p:spPr>
-          <a:xfrm>
-            <a:off x="266700" y="1835567"/>
-            <a:ext cx="5143500" cy="646331"/>
-          </a:xfrm>
-          <a:prstGeom prst="rect">
-            <a:avLst/>
-          </a:prstGeom>
-          <a:noFill/>
-        </p:spPr>
-        <p:txBody>
           <a:bodyPr wrap="square">
             <a:spAutoFit/>
           </a:bodyPr>
           <a:lstStyle/>
           <a:p>
             <a:r>
-              <a:rPr lang="ko-KR" altLang="en-US"/>
-              <a:t>Let's solve a simple question and start the first page.</a:t>
-            </a:r>
-            <a:endParaRPr lang="en-US" altLang="ko-KR"/>
-          </a:p>
-          <a:p>
-            <a:r>
-              <a:rPr lang="en-US" altLang="ko-KR" b="0" i="0">
-                <a:solidFill>
-                  <a:srgbClr val="000000"/>
-                </a:solidFill>
-                <a:effectLst/>
-                <a:latin typeface="noto"/>
-              </a:rPr>
-              <a:t>In Korea, there is a fairy tale as follows.</a:t>
-            </a:r>
-            <a:endParaRPr lang="ko-KR" altLang="en-US"/>
+              <a:rPr lang="ko-Kore-KR" altLang="en-US" sz="1200" dirty="0"/>
+              <a:t>Chapter 1 will discuss how to create good code.</a:t>
+            </a:r>
+            <a:r>
+              <a:rPr lang="ko-KR" altLang="en-US" sz="1200" dirty="0"/>
+              <a:t> </a:t>
+            </a:r>
+            <a:r>
+              <a:rPr lang="en" altLang="ko-KR" sz="1200" dirty="0"/>
+              <a:t>This can be a very abstract concept depending on the person. </a:t>
+            </a:r>
+            <a:r>
+              <a:rPr lang="en" altLang="ko-Kore-KR" sz="1200" dirty="0"/>
+              <a:t>Robert C. Martin is said to have good and bad codes divided according to the amount of WTFs shouted per minute.</a:t>
+            </a:r>
+            <a:endParaRPr lang="en" altLang="ko-KR" sz="1200" dirty="0"/>
+          </a:p>
+          <a:p>
+            <a:r>
+              <a:rPr lang="en" altLang="ko-KR" sz="1200" dirty="0"/>
+              <a:t>The picture below is a reconstruction of his painting and re-drawing it.</a:t>
+            </a:r>
+            <a:endParaRPr lang="ko-KR" altLang="en-US" sz="1200" dirty="0"/>
           </a:p>
         </p:txBody>
       </p:sp>
